--- a/BATCH_134_REVIEW-(2)[1][1][1][1].pptx
+++ b/BATCH_134_REVIEW-(2)[1][1][1][1].pptx
@@ -462,7 +462,7 @@
           <a:p>
             <a:fld id="{AF5413CD-0D28-454B-8D6A-6FB29ACCCAA7}" type="datetimeFigureOut">
               <a:rPr lang="en-IN" smtClean="0"/>
-              <a:t>17-03-2025</a:t>
+              <a:t>18-03-2025</a:t>
             </a:fld>
             <a:endParaRPr lang="en-IN"/>
           </a:p>
@@ -1550,7 +1550,7 @@
           <a:p>
             <a:fld id="{AF5413CD-0D28-454B-8D6A-6FB29ACCCAA7}" type="datetimeFigureOut">
               <a:rPr lang="en-IN" smtClean="0"/>
-              <a:t>17-03-2025</a:t>
+              <a:t>18-03-2025</a:t>
             </a:fld>
             <a:endParaRPr lang="en-IN"/>
           </a:p>
@@ -2530,7 +2530,7 @@
           <a:p>
             <a:fld id="{AF5413CD-0D28-454B-8D6A-6FB29ACCCAA7}" type="datetimeFigureOut">
               <a:rPr lang="en-IN" smtClean="0"/>
-              <a:t>17-03-2025</a:t>
+              <a:t>18-03-2025</a:t>
             </a:fld>
             <a:endParaRPr lang="en-IN"/>
           </a:p>
@@ -3664,7 +3664,7 @@
           <a:p>
             <a:fld id="{AF5413CD-0D28-454B-8D6A-6FB29ACCCAA7}" type="datetimeFigureOut">
               <a:rPr lang="en-IN" smtClean="0"/>
-              <a:t>17-03-2025</a:t>
+              <a:t>18-03-2025</a:t>
             </a:fld>
             <a:endParaRPr lang="en-IN"/>
           </a:p>
@@ -4697,7 +4697,7 @@
           <a:p>
             <a:fld id="{AF5413CD-0D28-454B-8D6A-6FB29ACCCAA7}" type="datetimeFigureOut">
               <a:rPr lang="en-IN" smtClean="0"/>
-              <a:t>17-03-2025</a:t>
+              <a:t>18-03-2025</a:t>
             </a:fld>
             <a:endParaRPr lang="en-IN"/>
           </a:p>
@@ -5357,7 +5357,7 @@
           <a:p>
             <a:fld id="{AF5413CD-0D28-454B-8D6A-6FB29ACCCAA7}" type="datetimeFigureOut">
               <a:rPr lang="en-IN" smtClean="0"/>
-              <a:t>17-03-2025</a:t>
+              <a:t>18-03-2025</a:t>
             </a:fld>
             <a:endParaRPr lang="en-IN"/>
           </a:p>
@@ -6218,7 +6218,7 @@
           <a:p>
             <a:fld id="{AF5413CD-0D28-454B-8D6A-6FB29ACCCAA7}" type="datetimeFigureOut">
               <a:rPr lang="en-IN" smtClean="0"/>
-              <a:t>17-03-2025</a:t>
+              <a:t>18-03-2025</a:t>
             </a:fld>
             <a:endParaRPr lang="en-IN"/>
           </a:p>
@@ -6408,7 +6408,7 @@
           <a:p>
             <a:fld id="{AF5413CD-0D28-454B-8D6A-6FB29ACCCAA7}" type="datetimeFigureOut">
               <a:rPr lang="en-IN" smtClean="0"/>
-              <a:t>17-03-2025</a:t>
+              <a:t>18-03-2025</a:t>
             </a:fld>
             <a:endParaRPr lang="en-IN"/>
           </a:p>
@@ -7380,7 +7380,7 @@
           <a:p>
             <a:fld id="{AF5413CD-0D28-454B-8D6A-6FB29ACCCAA7}" type="datetimeFigureOut">
               <a:rPr lang="en-IN" smtClean="0"/>
-              <a:t>17-03-2025</a:t>
+              <a:t>18-03-2025</a:t>
             </a:fld>
             <a:endParaRPr lang="en-IN"/>
           </a:p>
@@ -7591,7 +7591,7 @@
           <a:p>
             <a:fld id="{AF5413CD-0D28-454B-8D6A-6FB29ACCCAA7}" type="datetimeFigureOut">
               <a:rPr lang="en-IN" smtClean="0"/>
-              <a:t>17-03-2025</a:t>
+              <a:t>18-03-2025</a:t>
             </a:fld>
             <a:endParaRPr lang="en-IN"/>
           </a:p>
@@ -8625,7 +8625,7 @@
           <a:p>
             <a:fld id="{AF5413CD-0D28-454B-8D6A-6FB29ACCCAA7}" type="datetimeFigureOut">
               <a:rPr lang="en-IN" smtClean="0"/>
-              <a:t>17-03-2025</a:t>
+              <a:t>18-03-2025</a:t>
             </a:fld>
             <a:endParaRPr lang="en-IN"/>
           </a:p>
@@ -8897,7 +8897,7 @@
           <a:p>
             <a:fld id="{AF5413CD-0D28-454B-8D6A-6FB29ACCCAA7}" type="datetimeFigureOut">
               <a:rPr lang="en-IN" smtClean="0"/>
-              <a:t>17-03-2025</a:t>
+              <a:t>18-03-2025</a:t>
             </a:fld>
             <a:endParaRPr lang="en-IN"/>
           </a:p>
@@ -9307,7 +9307,7 @@
           <a:p>
             <a:fld id="{AF5413CD-0D28-454B-8D6A-6FB29ACCCAA7}" type="datetimeFigureOut">
               <a:rPr lang="en-IN" smtClean="0"/>
-              <a:t>17-03-2025</a:t>
+              <a:t>18-03-2025</a:t>
             </a:fld>
             <a:endParaRPr lang="en-IN"/>
           </a:p>
@@ -9434,7 +9434,7 @@
           <a:p>
             <a:fld id="{AF5413CD-0D28-454B-8D6A-6FB29ACCCAA7}" type="datetimeFigureOut">
               <a:rPr lang="en-IN" smtClean="0"/>
-              <a:t>17-03-2025</a:t>
+              <a:t>18-03-2025</a:t>
             </a:fld>
             <a:endParaRPr lang="en-IN"/>
           </a:p>
@@ -9529,7 +9529,7 @@
           <a:p>
             <a:fld id="{AF5413CD-0D28-454B-8D6A-6FB29ACCCAA7}" type="datetimeFigureOut">
               <a:rPr lang="en-IN" smtClean="0"/>
-              <a:t>17-03-2025</a:t>
+              <a:t>18-03-2025</a:t>
             </a:fld>
             <a:endParaRPr lang="en-IN"/>
           </a:p>
@@ -10610,7 +10610,7 @@
           <a:p>
             <a:fld id="{AF5413CD-0D28-454B-8D6A-6FB29ACCCAA7}" type="datetimeFigureOut">
               <a:rPr lang="en-IN" smtClean="0"/>
-              <a:t>17-03-2025</a:t>
+              <a:t>18-03-2025</a:t>
             </a:fld>
             <a:endParaRPr lang="en-IN"/>
           </a:p>
@@ -11718,7 +11718,7 @@
           <a:p>
             <a:fld id="{AF5413CD-0D28-454B-8D6A-6FB29ACCCAA7}" type="datetimeFigureOut">
               <a:rPr lang="en-IN" smtClean="0"/>
-              <a:t>17-03-2025</a:t>
+              <a:t>18-03-2025</a:t>
             </a:fld>
             <a:endParaRPr lang="en-IN"/>
           </a:p>
@@ -12715,7 +12715,7 @@
           <a:p>
             <a:fld id="{AF5413CD-0D28-454B-8D6A-6FB29ACCCAA7}" type="datetimeFigureOut">
               <a:rPr lang="en-IN" smtClean="0"/>
-              <a:t>17-03-2025</a:t>
+              <a:t>18-03-2025</a:t>
             </a:fld>
             <a:endParaRPr lang="en-IN"/>
           </a:p>
@@ -14092,10 +14092,6 @@
               </a:rPr>
               <a:t>                                         </a:t>
             </a:r>
-            <a:endParaRPr lang="en-GB" dirty="0">
-              <a:latin typeface="Times New Roman" panose="02020603050405020304" pitchFamily="18" charset="0"/>
-              <a:cs typeface="Times New Roman" panose="02020603050405020304" pitchFamily="18" charset="0"/>
-            </a:endParaRPr>
           </a:p>
           <a:p>
             <a:pPr marL="0" indent="0" algn="just">
@@ -14116,19 +14112,8 @@
                 <a:latin typeface="Times New Roman" panose="02020603050405020304" pitchFamily="18" charset="0"/>
                 <a:cs typeface="Times New Roman" panose="02020603050405020304" pitchFamily="18" charset="0"/>
               </a:rPr>
-              <a:t>Precision: The proportion of true positives out of all predicted positives, indicating how accurate positive predictions </a:t>
-            </a:r>
-            <a:r>
-              <a:rPr lang="en-GB" dirty="0">
-                <a:latin typeface="Times New Roman" panose="02020603050405020304" pitchFamily="18" charset="0"/>
-                <a:cs typeface="Times New Roman" panose="02020603050405020304" pitchFamily="18" charset="0"/>
-              </a:rPr>
-              <a:t>.</a:t>
-            </a:r>
-            <a:endParaRPr lang="en-GB" dirty="0">
-              <a:latin typeface="Times New Roman" panose="02020603050405020304" pitchFamily="18" charset="0"/>
-              <a:cs typeface="Times New Roman" panose="02020603050405020304" pitchFamily="18" charset="0"/>
-            </a:endParaRPr>
+              <a:t>Precision: The proportion of true positives out of all predicted positives, indicating how accurate positive predictions .</a:t>
+            </a:r>
           </a:p>
           <a:p>
             <a:pPr marL="0" indent="0" algn="just">
@@ -14281,30 +14266,6 @@
           <a:chExt cx="0" cy="0"/>
         </a:xfrm>
       </p:grpSpPr>
-      <p:pic>
-        <p:nvPicPr>
-          <p:cNvPr id="4" name="Picture 3"/>
-          <p:cNvPicPr>
-            <a:picLocks noChangeAspect="1"/>
-          </p:cNvPicPr>
-          <p:nvPr/>
-        </p:nvPicPr>
-        <p:blipFill>
-          <a:blip r:embed="rId2"/>
-          <a:stretch>
-            <a:fillRect/>
-          </a:stretch>
-        </p:blipFill>
-        <p:spPr>
-          <a:xfrm>
-            <a:off x="6510666" y="2444262"/>
-            <a:ext cx="5024841" cy="4147431"/>
-          </a:xfrm>
-          <a:prstGeom prst="rect">
-            <a:avLst/>
-          </a:prstGeom>
-        </p:spPr>
-      </p:pic>
       <p:sp>
         <p:nvSpPr>
           <p:cNvPr id="5" name="Rectangle 4"/>
@@ -14408,22 +14369,22 @@
       </p:sp>
       <p:pic>
         <p:nvPicPr>
-          <p:cNvPr id="6" name="Picture 5"/>
+          <p:cNvPr id="7" name="Picture 6"/>
           <p:cNvPicPr>
             <a:picLocks noChangeAspect="1"/>
           </p:cNvPicPr>
           <p:nvPr/>
         </p:nvPicPr>
         <p:blipFill>
-          <a:blip r:embed="rId3"/>
+          <a:blip r:embed="rId2"/>
           <a:stretch>
             <a:fillRect/>
           </a:stretch>
         </p:blipFill>
         <p:spPr>
           <a:xfrm>
-            <a:off x="1741773" y="5165409"/>
-            <a:ext cx="2905530" cy="1028844"/>
+            <a:off x="1628847" y="3359528"/>
+            <a:ext cx="3667637" cy="905001"/>
           </a:xfrm>
           <a:prstGeom prst="rect">
             <a:avLst/>
@@ -14432,7 +14393,37 @@
       </p:pic>
       <p:pic>
         <p:nvPicPr>
-          <p:cNvPr id="7" name="Picture 6"/>
+          <p:cNvPr id="2" name="Picture 1"/>
+          <p:cNvPicPr>
+            <a:picLocks noChangeAspect="1"/>
+          </p:cNvPicPr>
+          <p:nvPr/>
+        </p:nvPicPr>
+        <p:blipFill>
+          <a:blip r:embed="rId3">
+            <a:extLst>
+              <a:ext uri="{28A0092B-C50C-407E-A947-70E740481C1C}">
+                <a14:useLocalDpi xmlns:a14="http://schemas.microsoft.com/office/drawing/2010/main" val="0"/>
+              </a:ext>
+            </a:extLst>
+          </a:blip>
+          <a:stretch>
+            <a:fillRect/>
+          </a:stretch>
+        </p:blipFill>
+        <p:spPr>
+          <a:xfrm>
+            <a:off x="7359162" y="2409092"/>
+            <a:ext cx="4103188" cy="3552093"/>
+          </a:xfrm>
+          <a:prstGeom prst="rect">
+            <a:avLst/>
+          </a:prstGeom>
+        </p:spPr>
+      </p:pic>
+      <p:pic>
+        <p:nvPicPr>
+          <p:cNvPr id="3" name="Picture 2"/>
           <p:cNvPicPr>
             <a:picLocks noChangeAspect="1"/>
           </p:cNvPicPr>
@@ -14446,8 +14437,8 @@
         </p:blipFill>
         <p:spPr>
           <a:xfrm>
-            <a:off x="1628847" y="3359528"/>
-            <a:ext cx="3667637" cy="905001"/>
+            <a:off x="1523959" y="5238313"/>
+            <a:ext cx="5410955" cy="476316"/>
           </a:xfrm>
           <a:prstGeom prst="rect">
             <a:avLst/>
@@ -16055,17 +16046,7 @@
                 <a:latin typeface="Times New Roman" panose="02020603050405020304" pitchFamily="18" charset="0"/>
                 <a:cs typeface="Times New Roman" panose="02020603050405020304" pitchFamily="18" charset="0"/>
               </a:rPr>
-              <a:t>480</a:t>
-            </a:r>
-            <a:r>
-              <a:rPr lang="en-IN" dirty="0" smtClean="0">
-                <a:solidFill>
-                  <a:schemeClr val="tx1"/>
-                </a:solidFill>
-                <a:latin typeface="Times New Roman" panose="02020603050405020304" pitchFamily="18" charset="0"/>
-                <a:cs typeface="Times New Roman" panose="02020603050405020304" pitchFamily="18" charset="0"/>
-              </a:rPr>
-              <a:t> </a:t>
+              <a:t>480 </a:t>
             </a:r>
             <a:r>
               <a:rPr lang="en-IN" dirty="0">
@@ -16100,17 +16081,7 @@
                 <a:latin typeface="Times New Roman" panose="02020603050405020304" pitchFamily="18" charset="0"/>
                 <a:cs typeface="Times New Roman" panose="02020603050405020304" pitchFamily="18" charset="0"/>
               </a:rPr>
-              <a:t>958</a:t>
-            </a:r>
-            <a:r>
-              <a:rPr lang="en-IN" dirty="0" smtClean="0">
-                <a:solidFill>
-                  <a:schemeClr val="tx1"/>
-                </a:solidFill>
-                <a:latin typeface="Times New Roman" panose="02020603050405020304" pitchFamily="18" charset="0"/>
-                <a:cs typeface="Times New Roman" panose="02020603050405020304" pitchFamily="18" charset="0"/>
-              </a:rPr>
-              <a:t> </a:t>
+              <a:t>958 </a:t>
             </a:r>
             <a:r>
               <a:rPr lang="en-IN" dirty="0">
@@ -16145,17 +16116,7 @@
                 <a:latin typeface="Times New Roman" panose="02020603050405020304" pitchFamily="18" charset="0"/>
                 <a:cs typeface="Times New Roman" panose="02020603050405020304" pitchFamily="18" charset="0"/>
               </a:rPr>
-              <a:t>600</a:t>
-            </a:r>
-            <a:r>
-              <a:rPr lang="en-IN" dirty="0" smtClean="0">
-                <a:solidFill>
-                  <a:schemeClr val="tx1"/>
-                </a:solidFill>
-                <a:latin typeface="Times New Roman" panose="02020603050405020304" pitchFamily="18" charset="0"/>
-                <a:cs typeface="Times New Roman" panose="02020603050405020304" pitchFamily="18" charset="0"/>
-              </a:rPr>
-              <a:t> </a:t>
+              <a:t>600 </a:t>
             </a:r>
             <a:r>
               <a:rPr lang="en-IN" dirty="0">
@@ -16190,17 +16151,7 @@
                 <a:latin typeface="Times New Roman" panose="02020603050405020304" pitchFamily="18" charset="0"/>
                 <a:cs typeface="Times New Roman" panose="02020603050405020304" pitchFamily="18" charset="0"/>
               </a:rPr>
-              <a:t>810</a:t>
-            </a:r>
-            <a:r>
-              <a:rPr lang="en-IN" dirty="0" smtClean="0">
-                <a:solidFill>
-                  <a:schemeClr val="tx1"/>
-                </a:solidFill>
-                <a:latin typeface="Times New Roman" panose="02020603050405020304" pitchFamily="18" charset="0"/>
-                <a:cs typeface="Times New Roman" panose="02020603050405020304" pitchFamily="18" charset="0"/>
-              </a:rPr>
-              <a:t> </a:t>
+              <a:t>810 </a:t>
             </a:r>
             <a:r>
               <a:rPr lang="en-IN" dirty="0">
@@ -16235,17 +16186,7 @@
                 <a:latin typeface="Times New Roman" panose="02020603050405020304" pitchFamily="18" charset="0"/>
                 <a:cs typeface="Times New Roman" panose="02020603050405020304" pitchFamily="18" charset="0"/>
               </a:rPr>
-              <a:t>810</a:t>
-            </a:r>
-            <a:r>
-              <a:rPr lang="en-IN" dirty="0" smtClean="0">
-                <a:solidFill>
-                  <a:schemeClr val="tx1"/>
-                </a:solidFill>
-                <a:latin typeface="Times New Roman" panose="02020603050405020304" pitchFamily="18" charset="0"/>
-                <a:cs typeface="Times New Roman" panose="02020603050405020304" pitchFamily="18" charset="0"/>
-              </a:rPr>
-              <a:t> </a:t>
+              <a:t>810 </a:t>
             </a:r>
             <a:r>
               <a:rPr lang="en-IN" dirty="0">
@@ -16280,17 +16221,7 @@
                 <a:latin typeface="Times New Roman" panose="02020603050405020304" pitchFamily="18" charset="0"/>
                 <a:cs typeface="Times New Roman" panose="02020603050405020304" pitchFamily="18" charset="0"/>
               </a:rPr>
-              <a:t>800</a:t>
-            </a:r>
-            <a:r>
-              <a:rPr lang="en-IN" dirty="0" smtClean="0">
-                <a:solidFill>
-                  <a:schemeClr val="tx1"/>
-                </a:solidFill>
-                <a:latin typeface="Times New Roman" panose="02020603050405020304" pitchFamily="18" charset="0"/>
-                <a:cs typeface="Times New Roman" panose="02020603050405020304" pitchFamily="18" charset="0"/>
-              </a:rPr>
-              <a:t> </a:t>
+              <a:t>800 </a:t>
             </a:r>
             <a:r>
               <a:rPr lang="en-IN" dirty="0">
